--- a/Dean/Project1_Blackjack_v2.pptx
+++ b/Dean/Project1_Blackjack_v2.pptx
@@ -8,15 +8,17 @@
     <p:sldId id="260" r:id="rId2"/>
     <p:sldId id="257" r:id="rId3"/>
     <p:sldId id="258" r:id="rId4"/>
-    <p:sldId id="269" r:id="rId5"/>
-    <p:sldId id="262" r:id="rId6"/>
-    <p:sldId id="263" r:id="rId7"/>
-    <p:sldId id="259" r:id="rId8"/>
-    <p:sldId id="268" r:id="rId9"/>
-    <p:sldId id="267" r:id="rId10"/>
-    <p:sldId id="264" r:id="rId11"/>
-    <p:sldId id="265" r:id="rId12"/>
-    <p:sldId id="266" r:id="rId13"/>
+    <p:sldId id="262" r:id="rId5"/>
+    <p:sldId id="270" r:id="rId6"/>
+    <p:sldId id="259" r:id="rId7"/>
+    <p:sldId id="271" r:id="rId8"/>
+    <p:sldId id="267" r:id="rId9"/>
+    <p:sldId id="264" r:id="rId10"/>
+    <p:sldId id="265" r:id="rId11"/>
+    <p:sldId id="266" r:id="rId12"/>
+    <p:sldId id="268" r:id="rId13"/>
+    <p:sldId id="269" r:id="rId14"/>
+    <p:sldId id="263" r:id="rId15"/>
   </p:sldIdLst>
   <p:sldSz cx="12192000" cy="6858000"/>
   <p:notesSz cx="6858000" cy="9144000"/>
@@ -3576,7 +3578,7 @@
     </p:spTree>
     <p:extLst>
       <p:ext uri="{BB962C8B-B14F-4D97-AF65-F5344CB8AC3E}">
-        <p14:creationId xmlns:p14="http://schemas.microsoft.com/office/powerpoint/2010/main" val="722466268"/>
+        <p14:creationId xmlns:p14="http://schemas.microsoft.com/office/powerpoint/2010/main" val="978223413"/>
       </p:ext>
     </p:extLst>
   </p:cSld>
@@ -3671,7 +3673,7 @@
     </p:spTree>
     <p:extLst>
       <p:ext uri="{BB962C8B-B14F-4D97-AF65-F5344CB8AC3E}">
-        <p14:creationId xmlns:p14="http://schemas.microsoft.com/office/powerpoint/2010/main" val="978223413"/>
+        <p14:creationId xmlns:p14="http://schemas.microsoft.com/office/powerpoint/2010/main" val="3930614817"/>
       </p:ext>
     </p:extLst>
   </p:cSld>
@@ -3715,10 +3717,10 @@
       </p:grpSpPr>
       <p:sp>
         <p:nvSpPr>
-          <p:cNvPr id="2" name="Title 1">
-            <a:extLst>
-              <a:ext uri="{FF2B5EF4-FFF2-40B4-BE49-F238E27FC236}">
-                <a16:creationId xmlns:a16="http://schemas.microsoft.com/office/drawing/2014/main" id="{0D1D32A1-3197-E943-A3F4-0350EB8350FF}"/>
+          <p:cNvPr id="4" name="Title 3">
+            <a:extLst>
+              <a:ext uri="{FF2B5EF4-FFF2-40B4-BE49-F238E27FC236}">
+                <a16:creationId xmlns:a16="http://schemas.microsoft.com/office/drawing/2014/main" id="{527EFF37-6A59-4FBC-8E10-089453DC58BD}"/>
               </a:ext>
             </a:extLst>
           </p:cNvPr>
@@ -3734,39 +3736,389 @@
           <a:bodyPr/>
           <a:lstStyle/>
           <a:p>
-            <a:endParaRPr lang="en-US"/>
-          </a:p>
-        </p:txBody>
-      </p:sp>
-      <p:sp>
-        <p:nvSpPr>
-          <p:cNvPr id="3" name="Content Placeholder 2">
-            <a:extLst>
-              <a:ext uri="{FF2B5EF4-FFF2-40B4-BE49-F238E27FC236}">
-                <a16:creationId xmlns:a16="http://schemas.microsoft.com/office/drawing/2014/main" id="{3CDC54F5-3BA7-3B40-9829-77CDABAEE236}"/>
-              </a:ext>
-            </a:extLst>
-          </p:cNvPr>
-          <p:cNvSpPr>
-            <a:spLocks noGrp="1"/>
-          </p:cNvSpPr>
-          <p:nvPr>
-            <p:ph idx="1"/>
-          </p:nvPr>
-        </p:nvSpPr>
+            <a:r>
+              <a:rPr lang="en-US" dirty="0">
+                <a:latin typeface="Century Schoolbook" panose="02040604050505020304" pitchFamily="18" charset="0"/>
+              </a:rPr>
+              <a:t>Outcomes by Dealer Total w/ Dealer Showing 7</a:t>
+            </a:r>
+          </a:p>
+        </p:txBody>
+      </p:sp>
+      <p:pic>
+        <p:nvPicPr>
+          <p:cNvPr id="8" name="Picture Placeholder 7" descr="A close up of a map&#10;&#10;Description automatically generated">
+            <a:extLst>
+              <a:ext uri="{FF2B5EF4-FFF2-40B4-BE49-F238E27FC236}">
+                <a16:creationId xmlns:a16="http://schemas.microsoft.com/office/drawing/2014/main" id="{0BCFC8F9-C959-4E81-89BD-ABE0EB8E2047}"/>
+              </a:ext>
+            </a:extLst>
+          </p:cNvPr>
+          <p:cNvPicPr>
+            <a:picLocks noGrp="1" noChangeAspect="1"/>
+          </p:cNvPicPr>
+          <p:nvPr>
+            <p:ph type="pic" idx="1"/>
+          </p:nvPr>
+        </p:nvPicPr>
+        <p:blipFill>
+          <a:blip r:embed="rId3"/>
+          <a:srcRect l="4770" r="4770"/>
+          <a:stretch>
+            <a:fillRect/>
+          </a:stretch>
+        </p:blipFill>
         <p:spPr/>
-        <p:txBody>
-          <a:bodyPr/>
-          <a:lstStyle/>
-          <a:p>
-            <a:endParaRPr lang="en-US"/>
+      </p:pic>
+      <p:sp>
+        <p:nvSpPr>
+          <p:cNvPr id="6" name="Text Placeholder 5">
+            <a:extLst>
+              <a:ext uri="{FF2B5EF4-FFF2-40B4-BE49-F238E27FC236}">
+                <a16:creationId xmlns:a16="http://schemas.microsoft.com/office/drawing/2014/main" id="{CCBACEA0-F603-4390-8B61-41606C4D3E02}"/>
+              </a:ext>
+            </a:extLst>
+          </p:cNvPr>
+          <p:cNvSpPr>
+            <a:spLocks noGrp="1"/>
+          </p:cNvSpPr>
+          <p:nvPr>
+            <p:ph type="body" sz="half" idx="2"/>
+          </p:nvPr>
+        </p:nvSpPr>
+        <p:spPr/>
+        <p:txBody>
+          <a:bodyPr/>
+          <a:lstStyle/>
+          <a:p>
+            <a:endParaRPr lang="en-US" dirty="0"/>
           </a:p>
         </p:txBody>
       </p:sp>
     </p:spTree>
     <p:extLst>
       <p:ext uri="{BB962C8B-B14F-4D97-AF65-F5344CB8AC3E}">
-        <p14:creationId xmlns:p14="http://schemas.microsoft.com/office/powerpoint/2010/main" val="3930614817"/>
+        <p14:creationId xmlns:p14="http://schemas.microsoft.com/office/powerpoint/2010/main" val="1870684441"/>
+      </p:ext>
+    </p:extLst>
+  </p:cSld>
+  <p:clrMapOvr>
+    <a:masterClrMapping/>
+  </p:clrMapOvr>
+</p:sld>
+</file>
+
+<file path=ppt/slides/slide13.xml><?xml version="1.0" encoding="utf-8"?>
+<p:sld xmlns:a="http://schemas.openxmlformats.org/drawingml/2006/main" xmlns:r="http://schemas.openxmlformats.org/officeDocument/2006/relationships" xmlns:p="http://schemas.openxmlformats.org/presentationml/2006/main">
+  <p:cSld>
+    <p:spTree>
+      <p:nvGrpSpPr>
+        <p:cNvPr id="1" name=""/>
+        <p:cNvGrpSpPr/>
+        <p:nvPr/>
+      </p:nvGrpSpPr>
+      <p:grpSpPr>
+        <a:xfrm>
+          <a:off x="0" y="0"/>
+          <a:ext cx="0" cy="0"/>
+          <a:chOff x="0" y="0"/>
+          <a:chExt cx="0" cy="0"/>
+        </a:xfrm>
+      </p:grpSpPr>
+      <p:sp>
+        <p:nvSpPr>
+          <p:cNvPr id="2" name="Title 1">
+            <a:extLst>
+              <a:ext uri="{FF2B5EF4-FFF2-40B4-BE49-F238E27FC236}">
+                <a16:creationId xmlns:a16="http://schemas.microsoft.com/office/drawing/2014/main" id="{1C9E5890-3A19-F24F-BEDA-3B45C50D7CA8}"/>
+              </a:ext>
+            </a:extLst>
+          </p:cNvPr>
+          <p:cNvSpPr>
+            <a:spLocks noGrp="1"/>
+          </p:cNvSpPr>
+          <p:nvPr>
+            <p:ph type="title"/>
+          </p:nvPr>
+        </p:nvSpPr>
+        <p:spPr/>
+        <p:txBody>
+          <a:bodyPr/>
+          <a:lstStyle/>
+          <a:p>
+            <a:endParaRPr lang="en-US"/>
+          </a:p>
+        </p:txBody>
+      </p:sp>
+      <p:sp>
+        <p:nvSpPr>
+          <p:cNvPr id="3" name="Text Placeholder 2">
+            <a:extLst>
+              <a:ext uri="{FF2B5EF4-FFF2-40B4-BE49-F238E27FC236}">
+                <a16:creationId xmlns:a16="http://schemas.microsoft.com/office/drawing/2014/main" id="{58576F56-2BE0-7F4A-9B68-AA704A03B0B3}"/>
+              </a:ext>
+            </a:extLst>
+          </p:cNvPr>
+          <p:cNvSpPr>
+            <a:spLocks noGrp="1"/>
+          </p:cNvSpPr>
+          <p:nvPr>
+            <p:ph type="body" idx="1"/>
+          </p:nvPr>
+        </p:nvSpPr>
+        <p:spPr/>
+        <p:txBody>
+          <a:bodyPr/>
+          <a:lstStyle/>
+          <a:p>
+            <a:endParaRPr lang="en-US"/>
+          </a:p>
+        </p:txBody>
+      </p:sp>
+      <p:sp>
+        <p:nvSpPr>
+          <p:cNvPr id="4" name="Content Placeholder 3">
+            <a:extLst>
+              <a:ext uri="{FF2B5EF4-FFF2-40B4-BE49-F238E27FC236}">
+                <a16:creationId xmlns:a16="http://schemas.microsoft.com/office/drawing/2014/main" id="{D0BFC6A0-7D23-D14A-8513-A667B0B0B15C}"/>
+              </a:ext>
+            </a:extLst>
+          </p:cNvPr>
+          <p:cNvSpPr>
+            <a:spLocks noGrp="1"/>
+          </p:cNvSpPr>
+          <p:nvPr>
+            <p:ph sz="half" idx="2"/>
+          </p:nvPr>
+        </p:nvSpPr>
+        <p:spPr/>
+        <p:txBody>
+          <a:bodyPr>
+            <a:normAutofit fontScale="92500"/>
+          </a:bodyPr>
+          <a:lstStyle/>
+          <a:p>
+            <a:pPr lvl="0"/>
+            <a:r>
+              <a:rPr lang="en-US" dirty="0"/>
+              <a:t>Scenario 2: What's the probability of a player winning with 3 hits? </a:t>
+            </a:r>
+          </a:p>
+          <a:p>
+            <a:pPr lvl="0"/>
+            <a:r>
+              <a:rPr lang="en-US" dirty="0"/>
+              <a:t>Scenario 3: Using the 'Hard 17' methodology, what is the probability of a player winning on the starting hand (first 2 cards)? </a:t>
+            </a:r>
+          </a:p>
+          <a:p>
+            <a:r>
+              <a:rPr lang="en-US" dirty="0"/>
+              <a:t>Scenario 4: What is the probability of a player winning against a particular ‘up card’?</a:t>
+            </a:r>
+          </a:p>
+          <a:p>
+            <a:endParaRPr lang="en-US" dirty="0"/>
+          </a:p>
+        </p:txBody>
+      </p:sp>
+      <p:sp>
+        <p:nvSpPr>
+          <p:cNvPr id="5" name="Text Placeholder 4">
+            <a:extLst>
+              <a:ext uri="{FF2B5EF4-FFF2-40B4-BE49-F238E27FC236}">
+                <a16:creationId xmlns:a16="http://schemas.microsoft.com/office/drawing/2014/main" id="{40736138-F5A2-D142-BE89-2BD775EE5F17}"/>
+              </a:ext>
+            </a:extLst>
+          </p:cNvPr>
+          <p:cNvSpPr>
+            <a:spLocks noGrp="1"/>
+          </p:cNvSpPr>
+          <p:nvPr>
+            <p:ph type="body" sz="quarter" idx="3"/>
+          </p:nvPr>
+        </p:nvSpPr>
+        <p:spPr/>
+        <p:txBody>
+          <a:bodyPr/>
+          <a:lstStyle/>
+          <a:p>
+            <a:endParaRPr lang="en-US" dirty="0"/>
+          </a:p>
+        </p:txBody>
+      </p:sp>
+      <p:sp>
+        <p:nvSpPr>
+          <p:cNvPr id="6" name="Content Placeholder 5">
+            <a:extLst>
+              <a:ext uri="{FF2B5EF4-FFF2-40B4-BE49-F238E27FC236}">
+                <a16:creationId xmlns:a16="http://schemas.microsoft.com/office/drawing/2014/main" id="{670DA944-A996-4A45-A4FB-74E4E025C479}"/>
+              </a:ext>
+            </a:extLst>
+          </p:cNvPr>
+          <p:cNvSpPr>
+            <a:spLocks noGrp="1"/>
+          </p:cNvSpPr>
+          <p:nvPr>
+            <p:ph sz="quarter" idx="4"/>
+          </p:nvPr>
+        </p:nvSpPr>
+        <p:spPr>
+          <a:xfrm>
+            <a:off x="5690287" y="3842480"/>
+            <a:ext cx="5183188" cy="3684588"/>
+          </a:xfrm>
+        </p:spPr>
+        <p:txBody>
+          <a:bodyPr>
+            <a:normAutofit fontScale="92500"/>
+          </a:bodyPr>
+          <a:lstStyle/>
+          <a:p>
+            <a:endParaRPr lang="en-US" dirty="0"/>
+          </a:p>
+        </p:txBody>
+      </p:sp>
+    </p:spTree>
+    <p:extLst>
+      <p:ext uri="{BB962C8B-B14F-4D97-AF65-F5344CB8AC3E}">
+        <p14:creationId xmlns:p14="http://schemas.microsoft.com/office/powerpoint/2010/main" val="3658142600"/>
+      </p:ext>
+    </p:extLst>
+  </p:cSld>
+  <p:clrMapOvr>
+    <a:masterClrMapping/>
+  </p:clrMapOvr>
+</p:sld>
+</file>
+
+<file path=ppt/slides/slide14.xml><?xml version="1.0" encoding="utf-8"?>
+<p:sld xmlns:a="http://schemas.openxmlformats.org/drawingml/2006/main" xmlns:r="http://schemas.openxmlformats.org/officeDocument/2006/relationships" xmlns:p="http://schemas.openxmlformats.org/presentationml/2006/main">
+  <p:cSld>
+    <p:bg>
+      <p:bgPr>
+        <a:blipFill dpi="0" rotWithShape="1">
+          <a:blip r:embed="rId2">
+            <a:alphaModFix amt="33000"/>
+            <a:lum/>
+          </a:blip>
+          <a:srcRect/>
+          <a:stretch>
+            <a:fillRect t="-19000" b="-19000"/>
+          </a:stretch>
+        </a:blipFill>
+        <a:effectLst/>
+      </p:bgPr>
+    </p:bg>
+    <p:spTree>
+      <p:nvGrpSpPr>
+        <p:cNvPr id="1" name=""/>
+        <p:cNvGrpSpPr/>
+        <p:nvPr/>
+      </p:nvGrpSpPr>
+      <p:grpSpPr>
+        <a:xfrm>
+          <a:off x="0" y="0"/>
+          <a:ext cx="0" cy="0"/>
+          <a:chOff x="0" y="0"/>
+          <a:chExt cx="0" cy="0"/>
+        </a:xfrm>
+      </p:grpSpPr>
+      <p:sp>
+        <p:nvSpPr>
+          <p:cNvPr id="3" name="Title 2">
+            <a:extLst>
+              <a:ext uri="{FF2B5EF4-FFF2-40B4-BE49-F238E27FC236}">
+                <a16:creationId xmlns:a16="http://schemas.microsoft.com/office/drawing/2014/main" id="{260315AB-04E7-4D18-A1A0-78CD2A9B5515}"/>
+              </a:ext>
+            </a:extLst>
+          </p:cNvPr>
+          <p:cNvSpPr>
+            <a:spLocks noGrp="1"/>
+          </p:cNvSpPr>
+          <p:nvPr>
+            <p:ph type="title"/>
+          </p:nvPr>
+        </p:nvSpPr>
+        <p:spPr/>
+        <p:txBody>
+          <a:bodyPr/>
+          <a:lstStyle/>
+          <a:p>
+            <a:r>
+              <a:rPr lang="en-US" sz="4800" i="1" dirty="0">
+                <a:solidFill>
+                  <a:prstClr val="white"/>
+                </a:solidFill>
+                <a:latin typeface="Century Schoolbook" panose="02040604050505020304"/>
+              </a:rPr>
+              <a:t>Blackjack strategy</a:t>
+            </a:r>
+            <a:endParaRPr lang="en-US" dirty="0"/>
+          </a:p>
+        </p:txBody>
+      </p:sp>
+      <p:sp>
+        <p:nvSpPr>
+          <p:cNvPr id="4" name="Content Placeholder 3">
+            <a:extLst>
+              <a:ext uri="{FF2B5EF4-FFF2-40B4-BE49-F238E27FC236}">
+                <a16:creationId xmlns:a16="http://schemas.microsoft.com/office/drawing/2014/main" id="{6E0D6B02-00DC-4BFF-9FBA-4A6A8618DFB9}"/>
+              </a:ext>
+            </a:extLst>
+          </p:cNvPr>
+          <p:cNvSpPr>
+            <a:spLocks noGrp="1"/>
+          </p:cNvSpPr>
+          <p:nvPr>
+            <p:ph idx="1"/>
+          </p:nvPr>
+        </p:nvSpPr>
+        <p:spPr>
+          <a:xfrm>
+            <a:off x="838200" y="1825625"/>
+            <a:ext cx="10515600" cy="4351338"/>
+          </a:xfrm>
+        </p:spPr>
+        <p:txBody>
+          <a:bodyPr/>
+          <a:lstStyle/>
+          <a:p>
+            <a:pPr fontAlgn="base"/>
+            <a:r>
+              <a:rPr lang="en-US" dirty="0"/>
+              <a:t>Never take insurance or "even money."</a:t>
+            </a:r>
+          </a:p>
+          <a:p>
+            <a:pPr fontAlgn="base"/>
+            <a:r>
+              <a:rPr lang="en-US" dirty="0"/>
+              <a:t>If there is no row for splitting (fives and tens), then look up your hand as a hard total (10 or 20).</a:t>
+            </a:r>
+          </a:p>
+          <a:p>
+            <a:pPr fontAlgn="base"/>
+            <a:r>
+              <a:rPr lang="en-US" dirty="0"/>
+              <a:t>If you can't split because of a limit on re-splitting, then look up your hand as a hard total.</a:t>
+            </a:r>
+          </a:p>
+          <a:p>
+            <a:pPr marL="0" indent="0">
+              <a:buNone/>
+            </a:pPr>
+            <a:endParaRPr lang="en-US" dirty="0"/>
+          </a:p>
+          <a:p>
+            <a:endParaRPr lang="en-US" dirty="0"/>
+          </a:p>
+        </p:txBody>
+      </p:sp>
+    </p:spTree>
+    <p:extLst>
+      <p:ext uri="{BB962C8B-B14F-4D97-AF65-F5344CB8AC3E}">
+        <p14:creationId xmlns:p14="http://schemas.microsoft.com/office/powerpoint/2010/main" val="1895570113"/>
       </p:ext>
     </p:extLst>
   </p:cSld>
@@ -3830,14 +4182,9 @@
           <a:lstStyle/>
           <a:p>
             <a:r>
-              <a:rPr lang="en-US" i="1" dirty="0">
-                <a:solidFill>
-                  <a:schemeClr val="bg1"/>
-                </a:solidFill>
-              </a:rPr>
-              <a:t>A few things about blackjack to preface our data</a:t>
-            </a:r>
-            <a:endParaRPr lang="en-US" i="1" dirty="0"/>
+              <a:rPr lang="en-US" i="1" u="sng" dirty="0"/>
+              <a:t>Blackjack:</a:t>
+            </a:r>
           </a:p>
         </p:txBody>
       </p:sp>
@@ -3858,6 +4205,10 @@
           </p:nvPr>
         </p:nvSpPr>
         <p:spPr>
+          <a:xfrm>
+            <a:off x="838200" y="1639073"/>
+            <a:ext cx="10515600" cy="4351338"/>
+          </a:xfrm>
           <a:blipFill dpi="0" rotWithShape="1">
             <a:blip r:embed="rId3">
               <a:alphaModFix amt="10000"/>
@@ -3867,12 +4218,38 @@
           </a:blipFill>
         </p:spPr>
         <p:txBody>
-          <a:bodyPr/>
+          <a:bodyPr>
+            <a:normAutofit/>
+          </a:bodyPr>
           <a:lstStyle/>
           <a:p>
             <a:r>
               <a:rPr lang="en-US" dirty="0"/>
-              <a:t>According to Wikipedia (the most unbiased and true source of information). “Blackjack is the American variant of a globally popular banking game known as Twenty-One, whose relatives include Pontoon and Vingt-et-Un It is a comparing card game between one or more players and a dealer, where each player in turn competes against the dealer. Players do not compete against each other. It is played with one or more decks of 52 cards. It is also the most widely played casino banking game in the world. </a:t>
+              <a:t>Blackjack is an American variant of a globally popular banking game known as Twenty-One</a:t>
+            </a:r>
+          </a:p>
+          <a:p>
+            <a:r>
+              <a:rPr lang="en-US" dirty="0"/>
+              <a:t>It is played with one or more decks of 52 cards whereby all numbered cards equal their face value; J’s, Q’s, K’s also have a value of 10.  Aces can have the value of 1 or 11 depending on strategy needed</a:t>
+            </a:r>
+          </a:p>
+          <a:p>
+            <a:r>
+              <a:rPr lang="en-US" dirty="0"/>
+              <a:t>It is a comparing card game between 1 to 7 players and 1 dealer, where each player in turn competes against the dealer’s hand. </a:t>
+            </a:r>
+          </a:p>
+          <a:p>
+            <a:r>
+              <a:rPr lang="en-US" dirty="0"/>
+              <a:t>Players do not compete against each other. </a:t>
+            </a:r>
+          </a:p>
+          <a:p>
+            <a:r>
+              <a:rPr lang="en-US" dirty="0"/>
+              <a:t>It is the most widely played casino banking game in the world. </a:t>
             </a:r>
           </a:p>
           <a:p>
@@ -3925,7 +4302,7 @@
               </a:schemeClr>
             </a:gs>
           </a:gsLst>
-          <a:lin ang="5400000" scaled="1"/>
+          <a:lin ang="16200000" scaled="1"/>
           <a:tileRect/>
         </a:gradFill>
         <a:effectLst/>
@@ -3975,9 +4352,19 @@
           <a:p>
             <a:pPr algn="ctr"/>
             <a:r>
-              <a:rPr lang="en-US" dirty="0"/>
+              <a:rPr lang="en-US" b="1" i="1" dirty="0">
+                <a:solidFill>
+                  <a:schemeClr val="bg1"/>
+                </a:solidFill>
+                <a:latin typeface="Century Schoolbook" panose="02040604050505020304" pitchFamily="18" charset="0"/>
+              </a:rPr>
               <a:t>Outcomes</a:t>
             </a:r>
+            <a:endParaRPr lang="en-US" b="1" i="1" dirty="0">
+              <a:solidFill>
+                <a:schemeClr val="bg1"/>
+              </a:solidFill>
+            </a:endParaRPr>
           </a:p>
         </p:txBody>
       </p:sp>
@@ -3999,19 +4386,29 @@
         </p:nvSpPr>
         <p:spPr>
           <a:xfrm>
-            <a:off x="839788" y="845564"/>
+            <a:off x="839788" y="1241544"/>
             <a:ext cx="3151444" cy="823912"/>
           </a:xfrm>
         </p:spPr>
         <p:txBody>
-          <a:bodyPr/>
+          <a:bodyPr>
+            <a:noAutofit/>
+          </a:bodyPr>
           <a:lstStyle/>
           <a:p>
             <a:pPr algn="ctr"/>
             <a:r>
-              <a:rPr lang="en-US" dirty="0"/>
+              <a:rPr lang="en-US" sz="3200" dirty="0"/>
               <a:t>Win</a:t>
             </a:r>
+          </a:p>
+          <a:p>
+            <a:pPr algn="ctr"/>
+            <a:r>
+              <a:rPr lang="en-US" sz="4000" dirty="0"/>
+              <a:t>😃</a:t>
+            </a:r>
+            <a:endParaRPr lang="en-US" sz="4000" u="sng" dirty="0"/>
           </a:p>
         </p:txBody>
       </p:sp>
@@ -4048,14 +4445,6 @@
               <a:t>Blackjack </a:t>
             </a:r>
             <a:r>
-              <a:rPr lang="en-US" sz="4200" dirty="0"/>
-              <a:t>😃</a:t>
-            </a:r>
-            <a:endParaRPr lang="en-US" sz="4200" u="sng" dirty="0"/>
-          </a:p>
-          <a:p>
-            <a:pPr lvl="1"/>
-            <a:r>
               <a:rPr lang="en-US" dirty="0"/>
               <a:t>Player is dealt a starting hand of two cards totaling 21</a:t>
             </a:r>
@@ -4108,18 +4497,27 @@
         </p:nvSpPr>
         <p:spPr>
           <a:xfrm>
-            <a:off x="4828402" y="872262"/>
+            <a:off x="4804954" y="1226882"/>
             <a:ext cx="2687595" cy="823912"/>
           </a:xfrm>
         </p:spPr>
         <p:txBody>
-          <a:bodyPr/>
+          <a:bodyPr>
+            <a:noAutofit/>
+          </a:bodyPr>
           <a:lstStyle/>
           <a:p>
             <a:pPr algn="ctr"/>
             <a:r>
-              <a:rPr lang="en-US" dirty="0"/>
+              <a:rPr lang="en-US" sz="3200" dirty="0"/>
               <a:t>Push</a:t>
+            </a:r>
+          </a:p>
+          <a:p>
+            <a:pPr algn="ctr"/>
+            <a:r>
+              <a:rPr lang="en-US" sz="4000" dirty="0"/>
+              <a:t>🤷‍♂️</a:t>
             </a:r>
           </a:p>
         </p:txBody>
@@ -4180,8 +4578,8 @@
         </p:nvSpPr>
         <p:spPr>
           <a:xfrm>
-            <a:off x="8760811" y="1268992"/>
-            <a:ext cx="2217179" cy="461665"/>
+            <a:off x="8760811" y="833878"/>
+            <a:ext cx="2217179" cy="1200329"/>
           </a:xfrm>
           <a:prstGeom prst="rect">
             <a:avLst/>
@@ -4195,9 +4593,17 @@
           <a:p>
             <a:pPr algn="ctr"/>
             <a:r>
-              <a:rPr lang="en-US" sz="2400" b="1" dirty="0"/>
+              <a:rPr lang="en-US" sz="3200" b="1" dirty="0"/>
               <a:t>Loss</a:t>
             </a:r>
+          </a:p>
+          <a:p>
+            <a:pPr algn="ctr"/>
+            <a:r>
+              <a:rPr lang="en-US" sz="4000" dirty="0"/>
+              <a:t>😭</a:t>
+            </a:r>
+            <a:endParaRPr lang="en-US" sz="4000" u="sng" dirty="0"/>
           </a:p>
         </p:txBody>
       </p:sp>
@@ -4216,7 +4622,7 @@
         <p:spPr>
           <a:xfrm>
             <a:off x="8306272" y="2065456"/>
-            <a:ext cx="3126259" cy="4462760"/>
+            <a:ext cx="3126259" cy="4216539"/>
           </a:xfrm>
           <a:prstGeom prst="rect">
             <a:avLst/>
@@ -4237,20 +4643,6 @@
               <a:rPr lang="en-US" sz="2400" u="sng" dirty="0"/>
               <a:t>Blackjack </a:t>
             </a:r>
-            <a:r>
-              <a:rPr lang="en-US" sz="3600" dirty="0"/>
-              <a:t>😭</a:t>
-            </a:r>
-            <a:endParaRPr lang="en-US" sz="2400" u="sng" dirty="0"/>
-          </a:p>
-          <a:p>
-            <a:pPr marL="914400" lvl="3" indent="-228600">
-              <a:lnSpc>
-                <a:spcPct val="70000"/>
-              </a:lnSpc>
-              <a:buFont typeface="Arial" panose="020B0604020202020204" pitchFamily="34" charset="0"/>
-              <a:buChar char="•"/>
-            </a:pPr>
             <a:r>
               <a:rPr lang="en-US" sz="2000" dirty="0"/>
               <a:t>Dealer is dealt a starting hand of two cards totaling 21; all players without Blackjack lose</a:t>
@@ -4325,166 +4717,6 @@
 </file>
 
 <file path=ppt/slides/slide4.xml><?xml version="1.0" encoding="utf-8"?>
-<p:sld xmlns:a="http://schemas.openxmlformats.org/drawingml/2006/main" xmlns:r="http://schemas.openxmlformats.org/officeDocument/2006/relationships" xmlns:p="http://schemas.openxmlformats.org/presentationml/2006/main">
-  <p:cSld>
-    <p:spTree>
-      <p:nvGrpSpPr>
-        <p:cNvPr id="1" name=""/>
-        <p:cNvGrpSpPr/>
-        <p:nvPr/>
-      </p:nvGrpSpPr>
-      <p:grpSpPr>
-        <a:xfrm>
-          <a:off x="0" y="0"/>
-          <a:ext cx="0" cy="0"/>
-          <a:chOff x="0" y="0"/>
-          <a:chExt cx="0" cy="0"/>
-        </a:xfrm>
-      </p:grpSpPr>
-      <p:sp>
-        <p:nvSpPr>
-          <p:cNvPr id="2" name="Title 1">
-            <a:extLst>
-              <a:ext uri="{FF2B5EF4-FFF2-40B4-BE49-F238E27FC236}">
-                <a16:creationId xmlns:a16="http://schemas.microsoft.com/office/drawing/2014/main" id="{1C9E5890-3A19-F24F-BEDA-3B45C50D7CA8}"/>
-              </a:ext>
-            </a:extLst>
-          </p:cNvPr>
-          <p:cNvSpPr>
-            <a:spLocks noGrp="1"/>
-          </p:cNvSpPr>
-          <p:nvPr>
-            <p:ph type="title"/>
-          </p:nvPr>
-        </p:nvSpPr>
-        <p:spPr/>
-        <p:txBody>
-          <a:bodyPr/>
-          <a:lstStyle/>
-          <a:p>
-            <a:endParaRPr lang="en-US"/>
-          </a:p>
-        </p:txBody>
-      </p:sp>
-      <p:sp>
-        <p:nvSpPr>
-          <p:cNvPr id="3" name="Text Placeholder 2">
-            <a:extLst>
-              <a:ext uri="{FF2B5EF4-FFF2-40B4-BE49-F238E27FC236}">
-                <a16:creationId xmlns:a16="http://schemas.microsoft.com/office/drawing/2014/main" id="{58576F56-2BE0-7F4A-9B68-AA704A03B0B3}"/>
-              </a:ext>
-            </a:extLst>
-          </p:cNvPr>
-          <p:cNvSpPr>
-            <a:spLocks noGrp="1"/>
-          </p:cNvSpPr>
-          <p:nvPr>
-            <p:ph type="body" idx="1"/>
-          </p:nvPr>
-        </p:nvSpPr>
-        <p:spPr/>
-        <p:txBody>
-          <a:bodyPr/>
-          <a:lstStyle/>
-          <a:p>
-            <a:endParaRPr lang="en-US"/>
-          </a:p>
-        </p:txBody>
-      </p:sp>
-      <p:sp>
-        <p:nvSpPr>
-          <p:cNvPr id="4" name="Content Placeholder 3">
-            <a:extLst>
-              <a:ext uri="{FF2B5EF4-FFF2-40B4-BE49-F238E27FC236}">
-                <a16:creationId xmlns:a16="http://schemas.microsoft.com/office/drawing/2014/main" id="{D0BFC6A0-7D23-D14A-8513-A667B0B0B15C}"/>
-              </a:ext>
-            </a:extLst>
-          </p:cNvPr>
-          <p:cNvSpPr>
-            <a:spLocks noGrp="1"/>
-          </p:cNvSpPr>
-          <p:nvPr>
-            <p:ph sz="half" idx="2"/>
-          </p:nvPr>
-        </p:nvSpPr>
-        <p:spPr/>
-        <p:txBody>
-          <a:bodyPr/>
-          <a:lstStyle/>
-          <a:p>
-            <a:endParaRPr lang="en-US"/>
-          </a:p>
-        </p:txBody>
-      </p:sp>
-      <p:sp>
-        <p:nvSpPr>
-          <p:cNvPr id="5" name="Text Placeholder 4">
-            <a:extLst>
-              <a:ext uri="{FF2B5EF4-FFF2-40B4-BE49-F238E27FC236}">
-                <a16:creationId xmlns:a16="http://schemas.microsoft.com/office/drawing/2014/main" id="{40736138-F5A2-D142-BE89-2BD775EE5F17}"/>
-              </a:ext>
-            </a:extLst>
-          </p:cNvPr>
-          <p:cNvSpPr>
-            <a:spLocks noGrp="1"/>
-          </p:cNvSpPr>
-          <p:nvPr>
-            <p:ph type="body" sz="quarter" idx="3"/>
-          </p:nvPr>
-        </p:nvSpPr>
-        <p:spPr/>
-        <p:txBody>
-          <a:bodyPr/>
-          <a:lstStyle/>
-          <a:p>
-            <a:endParaRPr lang="en-US" dirty="0"/>
-          </a:p>
-        </p:txBody>
-      </p:sp>
-      <p:sp>
-        <p:nvSpPr>
-          <p:cNvPr id="6" name="Content Placeholder 5">
-            <a:extLst>
-              <a:ext uri="{FF2B5EF4-FFF2-40B4-BE49-F238E27FC236}">
-                <a16:creationId xmlns:a16="http://schemas.microsoft.com/office/drawing/2014/main" id="{670DA944-A996-4A45-A4FB-74E4E025C479}"/>
-              </a:ext>
-            </a:extLst>
-          </p:cNvPr>
-          <p:cNvSpPr>
-            <a:spLocks noGrp="1"/>
-          </p:cNvSpPr>
-          <p:nvPr>
-            <p:ph sz="quarter" idx="4"/>
-          </p:nvPr>
-        </p:nvSpPr>
-        <p:spPr>
-          <a:xfrm>
-            <a:off x="5690287" y="3842480"/>
-            <a:ext cx="5183188" cy="3684588"/>
-          </a:xfrm>
-        </p:spPr>
-        <p:txBody>
-          <a:bodyPr/>
-          <a:lstStyle/>
-          <a:p>
-            <a:endParaRPr lang="en-US" dirty="0"/>
-          </a:p>
-        </p:txBody>
-      </p:sp>
-    </p:spTree>
-    <p:extLst>
-      <p:ext uri="{BB962C8B-B14F-4D97-AF65-F5344CB8AC3E}">
-        <p14:creationId xmlns:p14="http://schemas.microsoft.com/office/powerpoint/2010/main" val="3658142600"/>
-      </p:ext>
-    </p:extLst>
-  </p:cSld>
-  <p:clrMapOvr>
-    <a:masterClrMapping/>
-  </p:clrMapOvr>
-</p:sld>
-</file>
-
-<file path=ppt/slides/slide5.xml><?xml version="1.0" encoding="utf-8"?>
 <p:sld xmlns:a="http://schemas.openxmlformats.org/drawingml/2006/main" xmlns:r="http://schemas.openxmlformats.org/officeDocument/2006/relationships" xmlns:p="http://schemas.openxmlformats.org/presentationml/2006/main">
   <p:cSld>
     <p:bg>
@@ -4534,14 +4766,16 @@
         </p:nvSpPr>
         <p:spPr/>
         <p:txBody>
-          <a:bodyPr/>
-          <a:lstStyle/>
-          <a:p>
-            <a:r>
-              <a:rPr lang="en-US" sz="3900" i="1" dirty="0">
+          <a:bodyPr>
+            <a:normAutofit/>
+          </a:bodyPr>
+          <a:lstStyle/>
+          <a:p>
+            <a:r>
+              <a:rPr lang="en-US" i="1" dirty="0">
                 <a:latin typeface="Century Schoolbook" panose="02040604050505020304"/>
               </a:rPr>
-              <a:t>The objective of our research:</a:t>
+              <a:t>Research Objectives:</a:t>
             </a:r>
             <a:endParaRPr lang="en-US" dirty="0"/>
           </a:p>
@@ -4568,40 +4802,93 @@
           <a:bodyPr/>
           <a:lstStyle/>
           <a:p>
+            <a:pPr lvl="0">
+              <a:buFont typeface="Wingdings" pitchFamily="2" charset="2"/>
+              <a:buChar char="v"/>
+            </a:pPr>
+            <a:r>
+              <a:rPr lang="en-US" dirty="0"/>
+              <a:t> Blackjack outcome probability</a:t>
+            </a:r>
+          </a:p>
+          <a:p>
+            <a:pPr lvl="0">
+              <a:buFont typeface="Wingdings" pitchFamily="2" charset="2"/>
+              <a:buChar char="v"/>
+            </a:pPr>
+            <a:r>
+              <a:rPr lang="en-US" dirty="0"/>
+              <a:t> Probability of NOT losing</a:t>
+            </a:r>
+          </a:p>
+          <a:p>
+            <a:pPr lvl="0">
+              <a:buFont typeface="Wingdings" pitchFamily="2" charset="2"/>
+              <a:buChar char="v"/>
+            </a:pPr>
+            <a:r>
+              <a:rPr lang="en-US" dirty="0"/>
+              <a:t> Projected outcomes by starting hand</a:t>
+            </a:r>
+          </a:p>
+          <a:p>
+            <a:pPr lvl="0">
+              <a:buFont typeface="Wingdings" pitchFamily="2" charset="2"/>
+              <a:buChar char="v"/>
+            </a:pPr>
+            <a:r>
+              <a:rPr lang="en-US" dirty="0"/>
+              <a:t> Projected outcomes when Dealer showing a 7</a:t>
+            </a:r>
+          </a:p>
+          <a:p>
+            <a:pPr>
+              <a:buFont typeface="Wingdings" pitchFamily="2" charset="2"/>
+              <a:buChar char="v"/>
+            </a:pPr>
+            <a:r>
+              <a:rPr lang="en-US" dirty="0"/>
+              <a:t> Projected outcomes when Dealer showing a 10, J, Q, K</a:t>
+            </a:r>
+          </a:p>
+          <a:p>
+            <a:pPr>
+              <a:buFont typeface="Wingdings" pitchFamily="2" charset="2"/>
+              <a:buChar char="v"/>
+            </a:pPr>
+            <a:r>
+              <a:rPr lang="en-US" dirty="0"/>
+              <a:t> Projected outcomes when Dealer showing an Ace</a:t>
+            </a:r>
+          </a:p>
+          <a:p>
+            <a:pPr>
+              <a:buFont typeface="Wingdings" pitchFamily="2" charset="2"/>
+              <a:buChar char="v"/>
+            </a:pPr>
+            <a:r>
+              <a:rPr lang="en-US" dirty="0"/>
+              <a:t> Can a player win more than they lose?</a:t>
+            </a:r>
+          </a:p>
+          <a:p>
             <a:pPr marL="0" indent="0">
               <a:buNone/>
             </a:pPr>
-            <a:r>
-              <a:rPr lang="en-US" dirty="0"/>
-              <a:t>We’ve poured over 900,000 possible blackjack hands to bring you the statistical odds a few different scenarios.</a:t>
-            </a:r>
-          </a:p>
-          <a:p>
-            <a:pPr lvl="0"/>
-            <a:r>
-              <a:rPr lang="en-US" dirty="0"/>
-              <a:t>Scenario 1: What is the probability of a player winning Blackjack (Win/Loss/Push)? </a:t>
-            </a:r>
-          </a:p>
-          <a:p>
-            <a:pPr lvl="0"/>
-            <a:r>
-              <a:rPr lang="en-US" dirty="0"/>
-              <a:t>Scenario 2: What's the probability of a player winning with 3 hits? </a:t>
-            </a:r>
-          </a:p>
-          <a:p>
-            <a:pPr lvl="0"/>
-            <a:r>
-              <a:rPr lang="en-US" dirty="0"/>
-              <a:t>Scenario 3: Using the 'Hard 17' methodology, what is the probability of a player winning on the starting hand (first 2 cards)? </a:t>
-            </a:r>
-          </a:p>
-          <a:p>
-            <a:r>
-              <a:rPr lang="en-US" dirty="0"/>
-              <a:t>Scenario 4: What is the probability of a player winning against a particular ‘up card’?</a:t>
-            </a:r>
+            <a:endParaRPr lang="en-US" dirty="0"/>
+          </a:p>
+          <a:p>
+            <a:pPr marL="0" lvl="0" indent="0">
+              <a:buNone/>
+            </a:pPr>
+            <a:endParaRPr lang="en-US" dirty="0"/>
+          </a:p>
+          <a:p>
+            <a:pPr lvl="0">
+              <a:buFont typeface="Wingdings" pitchFamily="2" charset="2"/>
+              <a:buChar char="v"/>
+            </a:pPr>
+            <a:endParaRPr lang="en-US" dirty="0"/>
           </a:p>
           <a:p>
             <a:endParaRPr lang="en-US" dirty="0"/>
@@ -4621,21 +4908,41 @@
 </p:sld>
 </file>
 
-<file path=ppt/slides/slide6.xml><?xml version="1.0" encoding="utf-8"?>
+<file path=ppt/slides/slide5.xml><?xml version="1.0" encoding="utf-8"?>
 <p:sld xmlns:a="http://schemas.openxmlformats.org/drawingml/2006/main" xmlns:r="http://schemas.openxmlformats.org/officeDocument/2006/relationships" xmlns:p="http://schemas.openxmlformats.org/presentationml/2006/main">
   <p:cSld>
     <p:bg>
       <p:bgPr>
-        <a:blipFill dpi="0" rotWithShape="1">
-          <a:blip r:embed="rId2">
-            <a:alphaModFix amt="33000"/>
-            <a:lum/>
-          </a:blip>
-          <a:srcRect/>
-          <a:stretch>
-            <a:fillRect t="-19000" b="-19000"/>
-          </a:stretch>
-        </a:blipFill>
+        <a:gradFill flip="none" rotWithShape="1">
+          <a:gsLst>
+            <a:gs pos="0">
+              <a:schemeClr val="accent6">
+                <a:lumMod val="5000"/>
+                <a:lumOff val="95000"/>
+              </a:schemeClr>
+            </a:gs>
+            <a:gs pos="74000">
+              <a:schemeClr val="accent6">
+                <a:lumMod val="45000"/>
+                <a:lumOff val="55000"/>
+              </a:schemeClr>
+            </a:gs>
+            <a:gs pos="83000">
+              <a:schemeClr val="accent6">
+                <a:lumMod val="45000"/>
+                <a:lumOff val="55000"/>
+              </a:schemeClr>
+            </a:gs>
+            <a:gs pos="100000">
+              <a:schemeClr val="accent6">
+                <a:lumMod val="30000"/>
+                <a:lumOff val="70000"/>
+              </a:schemeClr>
+            </a:gs>
+          </a:gsLst>
+          <a:lin ang="16200000" scaled="1"/>
+          <a:tileRect/>
+        </a:gradFill>
         <a:effectLst/>
       </p:bgPr>
     </p:bg>
@@ -4655,10 +4962,10 @@
       </p:grpSpPr>
       <p:sp>
         <p:nvSpPr>
-          <p:cNvPr id="3" name="Title 2">
-            <a:extLst>
-              <a:ext uri="{FF2B5EF4-FFF2-40B4-BE49-F238E27FC236}">
-                <a16:creationId xmlns:a16="http://schemas.microsoft.com/office/drawing/2014/main" id="{260315AB-04E7-4D18-A1A0-78CD2A9B5515}"/>
+          <p:cNvPr id="4" name="Title 3">
+            <a:extLst>
+              <a:ext uri="{FF2B5EF4-FFF2-40B4-BE49-F238E27FC236}">
+                <a16:creationId xmlns:a16="http://schemas.microsoft.com/office/drawing/2014/main" id="{FE94FED5-7A81-4560-BB50-AFE1E1612FFF}"/>
               </a:ext>
             </a:extLst>
           </p:cNvPr>
@@ -4667,71 +4974,86 @@
           </p:cNvSpPr>
           <p:nvPr>
             <p:ph type="title"/>
-          </p:nvPr>
-        </p:nvSpPr>
-        <p:spPr/>
-        <p:txBody>
-          <a:bodyPr/>
-          <a:lstStyle/>
-          <a:p>
-            <a:r>
-              <a:rPr lang="en-US" sz="4800" i="1" dirty="0">
-                <a:solidFill>
-                  <a:prstClr val="white"/>
-                </a:solidFill>
-                <a:latin typeface="Century Schoolbook" panose="02040604050505020304"/>
-              </a:rPr>
-              <a:t>Blackjack strategy</a:t>
-            </a:r>
-            <a:endParaRPr lang="en-US" dirty="0"/>
-          </a:p>
-        </p:txBody>
-      </p:sp>
-      <p:sp>
-        <p:nvSpPr>
-          <p:cNvPr id="4" name="Content Placeholder 3">
-            <a:extLst>
-              <a:ext uri="{FF2B5EF4-FFF2-40B4-BE49-F238E27FC236}">
-                <a16:creationId xmlns:a16="http://schemas.microsoft.com/office/drawing/2014/main" id="{6E0D6B02-00DC-4BFF-9FBA-4A6A8618DFB9}"/>
-              </a:ext>
-            </a:extLst>
-          </p:cNvPr>
-          <p:cNvSpPr>
-            <a:spLocks noGrp="1"/>
-          </p:cNvSpPr>
-          <p:nvPr>
-            <p:ph idx="1"/>
           </p:nvPr>
         </p:nvSpPr>
         <p:spPr>
           <a:xfrm>
-            <a:off x="838200" y="1825625"/>
-            <a:ext cx="10515600" cy="4351338"/>
+            <a:off x="0" y="0"/>
+            <a:ext cx="12192000" cy="1124465"/>
           </a:xfrm>
         </p:spPr>
         <p:txBody>
-          <a:bodyPr/>
-          <a:lstStyle/>
-          <a:p>
-            <a:pPr fontAlgn="base"/>
+          <a:bodyPr>
+            <a:normAutofit/>
+          </a:bodyPr>
+          <a:lstStyle/>
+          <a:p>
+            <a:pPr algn="ctr"/>
+            <a:r>
+              <a:rPr lang="en-US" b="1" i="1" dirty="0">
+                <a:solidFill>
+                  <a:schemeClr val="bg1"/>
+                </a:solidFill>
+                <a:latin typeface="Century Schoolbook" panose="02040604050505020304" pitchFamily="18" charset="0"/>
+              </a:rPr>
+              <a:t>Outcomes by Dealer Showing a 7</a:t>
+            </a:r>
+          </a:p>
+        </p:txBody>
+      </p:sp>
+      <p:sp>
+        <p:nvSpPr>
+          <p:cNvPr id="5" name="Content Placeholder 4">
+            <a:extLst>
+              <a:ext uri="{FF2B5EF4-FFF2-40B4-BE49-F238E27FC236}">
+                <a16:creationId xmlns:a16="http://schemas.microsoft.com/office/drawing/2014/main" id="{1EE1238B-2B96-4CEE-85A4-4A0FF954838B}"/>
+              </a:ext>
+            </a:extLst>
+          </p:cNvPr>
+          <p:cNvSpPr>
+            <a:spLocks noGrp="1"/>
+          </p:cNvSpPr>
+          <p:nvPr>
+            <p:ph sz="half" idx="1"/>
+          </p:nvPr>
+        </p:nvSpPr>
+        <p:spPr>
+          <a:xfrm>
+            <a:off x="18120" y="951470"/>
+            <a:ext cx="3904735" cy="6128951"/>
+          </a:xfrm>
+        </p:spPr>
+        <p:txBody>
+          <a:bodyPr>
+            <a:normAutofit lnSpcReduction="10000"/>
+          </a:bodyPr>
+          <a:lstStyle/>
+          <a:p>
             <a:r>
               <a:rPr lang="en-US" dirty="0"/>
-              <a:t>Never take insurance or "even money."</a:t>
-            </a:r>
-          </a:p>
-          <a:p>
-            <a:pPr fontAlgn="base"/>
+              <a:t>61.54% chance the dealer has 17 or higher as their starting hand</a:t>
+            </a:r>
+          </a:p>
+          <a:p>
             <a:r>
               <a:rPr lang="en-US" dirty="0"/>
-              <a:t>If there is no row for splitting (fives and tens), then look up your hand as a hard total (10 or 20).</a:t>
-            </a:r>
-          </a:p>
-          <a:p>
-            <a:pPr fontAlgn="base"/>
+              <a:t>Significantly more wins with a starting hand of 20 against a dealer showing a 7</a:t>
+            </a:r>
+          </a:p>
+          <a:p>
             <a:r>
               <a:rPr lang="en-US" dirty="0"/>
-              <a:t>If you can't split because of a limit on re-splitting, then look up your hand as a hard total.</a:t>
-            </a:r>
+              <a:t>Losses are greater when starting hands total 12 – 16 against a dealer showing a 7</a:t>
+            </a:r>
+          </a:p>
+          <a:p>
+            <a:r>
+              <a:rPr lang="en-US" dirty="0"/>
+              <a:t>As expected player pushes spike when starting hands equal 17 against a dealer showing 7</a:t>
+            </a:r>
+          </a:p>
+          <a:p>
+            <a:endParaRPr lang="en-US" dirty="0"/>
           </a:p>
           <a:p>
             <a:pPr marL="0" indent="0">
@@ -4739,15 +5061,40 @@
             </a:pPr>
             <a:endParaRPr lang="en-US" dirty="0"/>
           </a:p>
-          <a:p>
-            <a:endParaRPr lang="en-US" dirty="0"/>
-          </a:p>
-        </p:txBody>
-      </p:sp>
+        </p:txBody>
+      </p:sp>
+      <p:pic>
+        <p:nvPicPr>
+          <p:cNvPr id="8" name="Content Placeholder 7">
+            <a:extLst>
+              <a:ext uri="{FF2B5EF4-FFF2-40B4-BE49-F238E27FC236}">
+                <a16:creationId xmlns:a16="http://schemas.microsoft.com/office/drawing/2014/main" id="{B860187D-34D6-47A8-807E-948EA20F70E2}"/>
+              </a:ext>
+            </a:extLst>
+          </p:cNvPr>
+          <p:cNvPicPr>
+            <a:picLocks noGrp="1" noChangeAspect="1"/>
+          </p:cNvPicPr>
+          <p:nvPr>
+            <p:ph sz="half" idx="2"/>
+          </p:nvPr>
+        </p:nvPicPr>
+        <p:blipFill>
+          <a:blip r:embed="rId2"/>
+          <a:srcRect/>
+          <a:stretch/>
+        </p:blipFill>
+        <p:spPr>
+          <a:xfrm>
+            <a:off x="3922856" y="951470"/>
+            <a:ext cx="8269143" cy="5906531"/>
+          </a:xfrm>
+        </p:spPr>
+      </p:pic>
     </p:spTree>
     <p:extLst>
       <p:ext uri="{BB962C8B-B14F-4D97-AF65-F5344CB8AC3E}">
-        <p14:creationId xmlns:p14="http://schemas.microsoft.com/office/powerpoint/2010/main" val="1895570113"/>
+        <p14:creationId xmlns:p14="http://schemas.microsoft.com/office/powerpoint/2010/main" val="1836811347"/>
       </p:ext>
     </p:extLst>
   </p:cSld>
@@ -4757,21 +5104,41 @@
 </p:sld>
 </file>
 
-<file path=ppt/slides/slide7.xml><?xml version="1.0" encoding="utf-8"?>
+<file path=ppt/slides/slide6.xml><?xml version="1.0" encoding="utf-8"?>
 <p:sld xmlns:a="http://schemas.openxmlformats.org/drawingml/2006/main" xmlns:r="http://schemas.openxmlformats.org/officeDocument/2006/relationships" xmlns:p="http://schemas.openxmlformats.org/presentationml/2006/main">
   <p:cSld>
     <p:bg>
       <p:bgPr>
-        <a:blipFill dpi="0" rotWithShape="1">
-          <a:blip r:embed="rId2">
-            <a:alphaModFix amt="33000"/>
-            <a:lum/>
-          </a:blip>
-          <a:srcRect/>
-          <a:stretch>
-            <a:fillRect/>
-          </a:stretch>
-        </a:blipFill>
+        <a:gradFill flip="none" rotWithShape="1">
+          <a:gsLst>
+            <a:gs pos="0">
+              <a:schemeClr val="accent6">
+                <a:lumMod val="5000"/>
+                <a:lumOff val="95000"/>
+              </a:schemeClr>
+            </a:gs>
+            <a:gs pos="74000">
+              <a:schemeClr val="accent6">
+                <a:lumMod val="45000"/>
+                <a:lumOff val="55000"/>
+              </a:schemeClr>
+            </a:gs>
+            <a:gs pos="83000">
+              <a:schemeClr val="accent6">
+                <a:lumMod val="45000"/>
+                <a:lumOff val="55000"/>
+              </a:schemeClr>
+            </a:gs>
+            <a:gs pos="100000">
+              <a:schemeClr val="accent6">
+                <a:lumMod val="30000"/>
+                <a:lumOff val="70000"/>
+              </a:schemeClr>
+            </a:gs>
+          </a:gsLst>
+          <a:lin ang="16200000" scaled="1"/>
+          <a:tileRect/>
+        </a:gradFill>
         <a:effectLst/>
       </p:bgPr>
     </p:bg>
@@ -4807,14 +5174,17 @@
         </p:nvSpPr>
         <p:spPr>
           <a:xfrm>
-            <a:off x="300317" y="275477"/>
-            <a:ext cx="10515600" cy="1325563"/>
+            <a:off x="0" y="0"/>
+            <a:ext cx="12192000" cy="1124465"/>
           </a:xfrm>
         </p:spPr>
         <p:txBody>
-          <a:bodyPr/>
-          <a:lstStyle/>
-          <a:p>
+          <a:bodyPr>
+            <a:normAutofit fontScale="90000"/>
+          </a:bodyPr>
+          <a:lstStyle/>
+          <a:p>
+            <a:pPr algn="ctr"/>
             <a:r>
               <a:rPr lang="en-US" b="1" i="1" dirty="0">
                 <a:solidFill>
@@ -4822,7 +5192,7 @@
                 </a:solidFill>
                 <a:latin typeface="Century Schoolbook" panose="02040604050505020304" pitchFamily="18" charset="0"/>
               </a:rPr>
-              <a:t>Outcomes by Dealer Total w/ Dealer Showing 10 or Face Card</a:t>
+              <a:t>Outcomes by Dealer Showing 10 or Face Card</a:t>
             </a:r>
           </a:p>
         </p:txBody>
@@ -4845,35 +5215,31 @@
         </p:nvSpPr>
         <p:spPr>
           <a:xfrm>
-            <a:off x="300317" y="1753908"/>
-            <a:ext cx="5181600" cy="4351338"/>
+            <a:off x="86497" y="951470"/>
+            <a:ext cx="3904735" cy="5153776"/>
           </a:xfrm>
         </p:spPr>
         <p:txBody>
-          <a:bodyPr/>
+          <a:bodyPr>
+            <a:normAutofit fontScale="92500"/>
+          </a:bodyPr>
           <a:lstStyle/>
           <a:p>
             <a:r>
               <a:rPr lang="en-US" dirty="0"/>
-              <a:t>30.77% chance of a dealer having a 10</a:t>
+              <a:t>38.46% chance of the dealer having another 10 or an Ace as the down card</a:t>
             </a:r>
           </a:p>
           <a:p>
             <a:r>
               <a:rPr lang="en-US" dirty="0"/>
-              <a:t>61.54% chance of a dealer winning his final hand after a 17</a:t>
+              <a:t>Wins spike with a starting hand of 20 after a dip at 17; due to the ‘Hard 17’ casino rule</a:t>
             </a:r>
           </a:p>
           <a:p>
             <a:r>
               <a:rPr lang="en-US" dirty="0"/>
-              <a:t>Your wins spike around 20 after a mild falloff around 17.</a:t>
-            </a:r>
-          </a:p>
-          <a:p>
-            <a:r>
-              <a:rPr lang="en-US" dirty="0"/>
-              <a:t>Your losses initially spike at 7, spike again at 12, then dip at 12.</a:t>
+              <a:t>Losses increase with starting hands of 12, then decline gradually with a sharper decline for hands greater than 17</a:t>
             </a:r>
           </a:p>
           <a:p>
@@ -4904,15 +5270,15 @@
           </p:nvPr>
         </p:nvPicPr>
         <p:blipFill>
-          <a:blip r:embed="rId3"/>
+          <a:blip r:embed="rId2"/>
           <a:stretch>
             <a:fillRect/>
           </a:stretch>
         </p:blipFill>
         <p:spPr>
           <a:xfrm>
-            <a:off x="5741894" y="1971709"/>
-            <a:ext cx="5786952" cy="4133537"/>
+            <a:off x="3922855" y="951470"/>
+            <a:ext cx="8269145" cy="5906531"/>
           </a:xfrm>
         </p:spPr>
       </p:pic>
@@ -4920,6 +5286,194 @@
     <p:extLst>
       <p:ext uri="{BB962C8B-B14F-4D97-AF65-F5344CB8AC3E}">
         <p14:creationId xmlns:p14="http://schemas.microsoft.com/office/powerpoint/2010/main" val="710524181"/>
+      </p:ext>
+    </p:extLst>
+  </p:cSld>
+  <p:clrMapOvr>
+    <a:masterClrMapping/>
+  </p:clrMapOvr>
+</p:sld>
+</file>
+
+<file path=ppt/slides/slide7.xml><?xml version="1.0" encoding="utf-8"?>
+<p:sld xmlns:a="http://schemas.openxmlformats.org/drawingml/2006/main" xmlns:r="http://schemas.openxmlformats.org/officeDocument/2006/relationships" xmlns:p="http://schemas.openxmlformats.org/presentationml/2006/main">
+  <p:cSld>
+    <p:bg>
+      <p:bgPr>
+        <a:gradFill flip="none" rotWithShape="1">
+          <a:gsLst>
+            <a:gs pos="0">
+              <a:schemeClr val="accent6">
+                <a:lumMod val="5000"/>
+                <a:lumOff val="95000"/>
+              </a:schemeClr>
+            </a:gs>
+            <a:gs pos="74000">
+              <a:schemeClr val="accent6">
+                <a:lumMod val="45000"/>
+                <a:lumOff val="55000"/>
+              </a:schemeClr>
+            </a:gs>
+            <a:gs pos="83000">
+              <a:schemeClr val="accent6">
+                <a:lumMod val="45000"/>
+                <a:lumOff val="55000"/>
+              </a:schemeClr>
+            </a:gs>
+            <a:gs pos="100000">
+              <a:schemeClr val="accent6">
+                <a:lumMod val="30000"/>
+                <a:lumOff val="70000"/>
+              </a:schemeClr>
+            </a:gs>
+          </a:gsLst>
+          <a:lin ang="16200000" scaled="1"/>
+          <a:tileRect/>
+        </a:gradFill>
+        <a:effectLst/>
+      </p:bgPr>
+    </p:bg>
+    <p:spTree>
+      <p:nvGrpSpPr>
+        <p:cNvPr id="1" name=""/>
+        <p:cNvGrpSpPr/>
+        <p:nvPr/>
+      </p:nvGrpSpPr>
+      <p:grpSpPr>
+        <a:xfrm>
+          <a:off x="0" y="0"/>
+          <a:ext cx="0" cy="0"/>
+          <a:chOff x="0" y="0"/>
+          <a:chExt cx="0" cy="0"/>
+        </a:xfrm>
+      </p:grpSpPr>
+      <p:sp>
+        <p:nvSpPr>
+          <p:cNvPr id="4" name="Title 3">
+            <a:extLst>
+              <a:ext uri="{FF2B5EF4-FFF2-40B4-BE49-F238E27FC236}">
+                <a16:creationId xmlns:a16="http://schemas.microsoft.com/office/drawing/2014/main" id="{FE94FED5-7A81-4560-BB50-AFE1E1612FFF}"/>
+              </a:ext>
+            </a:extLst>
+          </p:cNvPr>
+          <p:cNvSpPr>
+            <a:spLocks noGrp="1"/>
+          </p:cNvSpPr>
+          <p:nvPr>
+            <p:ph type="title"/>
+          </p:nvPr>
+        </p:nvSpPr>
+        <p:spPr>
+          <a:xfrm>
+            <a:off x="0" y="0"/>
+            <a:ext cx="12192000" cy="1124465"/>
+          </a:xfrm>
+        </p:spPr>
+        <p:txBody>
+          <a:bodyPr>
+            <a:normAutofit/>
+          </a:bodyPr>
+          <a:lstStyle/>
+          <a:p>
+            <a:pPr algn="ctr"/>
+            <a:r>
+              <a:rPr lang="en-US" b="1" i="1" dirty="0">
+                <a:solidFill>
+                  <a:schemeClr val="bg1"/>
+                </a:solidFill>
+                <a:latin typeface="Century Schoolbook" panose="02040604050505020304" pitchFamily="18" charset="0"/>
+              </a:rPr>
+              <a:t>Outcomes by Dealer Showing an Ace</a:t>
+            </a:r>
+          </a:p>
+        </p:txBody>
+      </p:sp>
+      <p:sp>
+        <p:nvSpPr>
+          <p:cNvPr id="5" name="Content Placeholder 4">
+            <a:extLst>
+              <a:ext uri="{FF2B5EF4-FFF2-40B4-BE49-F238E27FC236}">
+                <a16:creationId xmlns:a16="http://schemas.microsoft.com/office/drawing/2014/main" id="{1EE1238B-2B96-4CEE-85A4-4A0FF954838B}"/>
+              </a:ext>
+            </a:extLst>
+          </p:cNvPr>
+          <p:cNvSpPr>
+            <a:spLocks noGrp="1"/>
+          </p:cNvSpPr>
+          <p:nvPr>
+            <p:ph sz="half" idx="1"/>
+          </p:nvPr>
+        </p:nvSpPr>
+        <p:spPr>
+          <a:xfrm>
+            <a:off x="86497" y="951470"/>
+            <a:ext cx="3904735" cy="5153776"/>
+          </a:xfrm>
+        </p:spPr>
+        <p:txBody>
+          <a:bodyPr/>
+          <a:lstStyle/>
+          <a:p>
+            <a:r>
+              <a:rPr lang="en-US" dirty="0"/>
+              <a:t>30.77% chance the dealer has Blackjack</a:t>
+            </a:r>
+          </a:p>
+          <a:p>
+            <a:r>
+              <a:rPr lang="en-US" dirty="0"/>
+              <a:t>Wins are hard to come by against an Ace; spike with starting hands of 18</a:t>
+            </a:r>
+          </a:p>
+          <a:p>
+            <a:r>
+              <a:rPr lang="en-US" dirty="0"/>
+              <a:t>Losses spike at starting hands of 12 and slowly decline until 18</a:t>
+            </a:r>
+          </a:p>
+          <a:p>
+            <a:endParaRPr lang="en-US" dirty="0"/>
+          </a:p>
+          <a:p>
+            <a:pPr marL="0" indent="0">
+              <a:buNone/>
+            </a:pPr>
+            <a:endParaRPr lang="en-US" dirty="0"/>
+          </a:p>
+        </p:txBody>
+      </p:sp>
+      <p:pic>
+        <p:nvPicPr>
+          <p:cNvPr id="8" name="Content Placeholder 7">
+            <a:extLst>
+              <a:ext uri="{FF2B5EF4-FFF2-40B4-BE49-F238E27FC236}">
+                <a16:creationId xmlns:a16="http://schemas.microsoft.com/office/drawing/2014/main" id="{B860187D-34D6-47A8-807E-948EA20F70E2}"/>
+              </a:ext>
+            </a:extLst>
+          </p:cNvPr>
+          <p:cNvPicPr>
+            <a:picLocks noGrp="1" noChangeAspect="1"/>
+          </p:cNvPicPr>
+          <p:nvPr>
+            <p:ph sz="half" idx="2"/>
+          </p:nvPr>
+        </p:nvPicPr>
+        <p:blipFill>
+          <a:blip r:embed="rId2"/>
+          <a:srcRect/>
+          <a:stretch/>
+        </p:blipFill>
+        <p:spPr>
+          <a:xfrm>
+            <a:off x="3922856" y="951470"/>
+            <a:ext cx="8269143" cy="5906531"/>
+          </a:xfrm>
+        </p:spPr>
+      </p:pic>
+    </p:spTree>
+    <p:extLst>
+      <p:ext uri="{BB962C8B-B14F-4D97-AF65-F5344CB8AC3E}">
+        <p14:creationId xmlns:p14="http://schemas.microsoft.com/office/powerpoint/2010/main" val="1358202555"/>
       </p:ext>
     </p:extLst>
   </p:cSld>
@@ -4963,10 +5517,10 @@
       </p:grpSpPr>
       <p:sp>
         <p:nvSpPr>
-          <p:cNvPr id="4" name="Title 3">
-            <a:extLst>
-              <a:ext uri="{FF2B5EF4-FFF2-40B4-BE49-F238E27FC236}">
-                <a16:creationId xmlns:a16="http://schemas.microsoft.com/office/drawing/2014/main" id="{527EFF37-6A59-4FBC-8E10-089453DC58BD}"/>
+          <p:cNvPr id="2" name="Title 1">
+            <a:extLst>
+              <a:ext uri="{FF2B5EF4-FFF2-40B4-BE49-F238E27FC236}">
+                <a16:creationId xmlns:a16="http://schemas.microsoft.com/office/drawing/2014/main" id="{0D1D32A1-3197-E943-A3F4-0350EB8350FF}"/>
               </a:ext>
             </a:extLst>
           </p:cNvPr>
@@ -4982,69 +5536,39 @@
           <a:bodyPr/>
           <a:lstStyle/>
           <a:p>
-            <a:r>
-              <a:rPr lang="en-US" dirty="0">
-                <a:latin typeface="Century Schoolbook" panose="02040604050505020304" pitchFamily="18" charset="0"/>
-              </a:rPr>
-              <a:t>Outcomes by Dealer Total w/ Dealer Showing 7</a:t>
-            </a:r>
-          </a:p>
-        </p:txBody>
-      </p:sp>
-      <p:pic>
-        <p:nvPicPr>
-          <p:cNvPr id="8" name="Picture Placeholder 7" descr="A close up of a map&#10;&#10;Description automatically generated">
-            <a:extLst>
-              <a:ext uri="{FF2B5EF4-FFF2-40B4-BE49-F238E27FC236}">
-                <a16:creationId xmlns:a16="http://schemas.microsoft.com/office/drawing/2014/main" id="{0BCFC8F9-C959-4E81-89BD-ABE0EB8E2047}"/>
-              </a:ext>
-            </a:extLst>
-          </p:cNvPr>
-          <p:cNvPicPr>
-            <a:picLocks noGrp="1" noChangeAspect="1"/>
-          </p:cNvPicPr>
-          <p:nvPr>
-            <p:ph type="pic" idx="1"/>
-          </p:nvPr>
-        </p:nvPicPr>
-        <p:blipFill>
-          <a:blip r:embed="rId3"/>
-          <a:srcRect l="4770" r="4770"/>
-          <a:stretch>
-            <a:fillRect/>
-          </a:stretch>
-        </p:blipFill>
+            <a:endParaRPr lang="en-US"/>
+          </a:p>
+        </p:txBody>
+      </p:sp>
+      <p:sp>
+        <p:nvSpPr>
+          <p:cNvPr id="3" name="Content Placeholder 2">
+            <a:extLst>
+              <a:ext uri="{FF2B5EF4-FFF2-40B4-BE49-F238E27FC236}">
+                <a16:creationId xmlns:a16="http://schemas.microsoft.com/office/drawing/2014/main" id="{3CDC54F5-3BA7-3B40-9829-77CDABAEE236}"/>
+              </a:ext>
+            </a:extLst>
+          </p:cNvPr>
+          <p:cNvSpPr>
+            <a:spLocks noGrp="1"/>
+          </p:cNvSpPr>
+          <p:nvPr>
+            <p:ph idx="1"/>
+          </p:nvPr>
+        </p:nvSpPr>
         <p:spPr/>
-      </p:pic>
-      <p:sp>
-        <p:nvSpPr>
-          <p:cNvPr id="6" name="Text Placeholder 5">
-            <a:extLst>
-              <a:ext uri="{FF2B5EF4-FFF2-40B4-BE49-F238E27FC236}">
-                <a16:creationId xmlns:a16="http://schemas.microsoft.com/office/drawing/2014/main" id="{CCBACEA0-F603-4390-8B61-41606C4D3E02}"/>
-              </a:ext>
-            </a:extLst>
-          </p:cNvPr>
-          <p:cNvSpPr>
-            <a:spLocks noGrp="1"/>
-          </p:cNvSpPr>
-          <p:nvPr>
-            <p:ph type="body" sz="half" idx="2"/>
-          </p:nvPr>
-        </p:nvSpPr>
-        <p:spPr/>
-        <p:txBody>
-          <a:bodyPr/>
-          <a:lstStyle/>
-          <a:p>
-            <a:endParaRPr lang="en-US" dirty="0"/>
+        <p:txBody>
+          <a:bodyPr/>
+          <a:lstStyle/>
+          <a:p>
+            <a:endParaRPr lang="en-US"/>
           </a:p>
         </p:txBody>
       </p:sp>
     </p:spTree>
     <p:extLst>
       <p:ext uri="{BB962C8B-B14F-4D97-AF65-F5344CB8AC3E}">
-        <p14:creationId xmlns:p14="http://schemas.microsoft.com/office/powerpoint/2010/main" val="1870684441"/>
+        <p14:creationId xmlns:p14="http://schemas.microsoft.com/office/powerpoint/2010/main" val="1398219504"/>
       </p:ext>
     </p:extLst>
   </p:cSld>
@@ -5139,7 +5663,7 @@
     </p:spTree>
     <p:extLst>
       <p:ext uri="{BB962C8B-B14F-4D97-AF65-F5344CB8AC3E}">
-        <p14:creationId xmlns:p14="http://schemas.microsoft.com/office/powerpoint/2010/main" val="1398219504"/>
+        <p14:creationId xmlns:p14="http://schemas.microsoft.com/office/powerpoint/2010/main" val="722466268"/>
       </p:ext>
     </p:extLst>
   </p:cSld>
